--- a/Overview_Action_Items.pptx
+++ b/Overview_Action_Items.pptx
@@ -7155,7 +7155,7 @@
               <a:t>	</a:t>
             </a:r>
             <a:r>
-              <a:rPr lang="en-US" sz="1600" b="1" dirty="0"/>
+              <a:rPr lang="en-US" sz="1600" dirty="0"/>
               <a:t>BS:</a:t>
             </a:r>
             <a:r>
